--- a/MINI PROJECT-2(PRESENTATION).pptx
+++ b/MINI PROJECT-2(PRESENTATION).pptx
@@ -377,7 +377,7 @@
     </p:spTree>
     <p:extLst>
       <p:ext uri="{BB962C8B-B14F-4D97-AF65-F5344CB8AC3E}">
-        <p14:creationId xmlns:p14="http://schemas.microsoft.com/office/powerpoint/2010/main" val="1645130277"/>
+        <p14:creationId xmlns:p14="http://schemas.microsoft.com/office/powerpoint/2010/main" xmlns="" val="1645130277"/>
       </p:ext>
     </p:extLst>
   </p:cSld>
@@ -4257,7 +4257,7 @@
                   <a:srgbClr val="FF9900"/>
                 </a:solidFill>
               </a:rPr>
-              <a:t>Agrawal</a:t>
+              <a:t>Agarwal</a:t>
             </a:r>
             <a:r>
               <a:rPr lang="en-US" sz="1900" dirty="0" smtClean="0">
@@ -4265,7 +4265,15 @@
                   <a:srgbClr val="FF9900"/>
                 </a:solidFill>
               </a:rPr>
-              <a:t>(181500137)</a:t>
+              <a:t>(181500137</a:t>
+            </a:r>
+            <a:r>
+              <a:rPr lang="en-US" sz="1900" dirty="0" smtClean="0">
+                <a:solidFill>
+                  <a:srgbClr val="FF9900"/>
+                </a:solidFill>
+              </a:rPr>
+              <a:t>)</a:t>
             </a:r>
           </a:p>
           <a:p>
@@ -4516,7 +4524,7 @@
           <a:blip r:embed="rId2" cstate="print">
             <a:extLst>
               <a:ext uri="{28A0092B-C50C-407E-A947-70E740481C1C}">
-                <a14:useLocalDpi xmlns:a14="http://schemas.microsoft.com/office/drawing/2010/main" val="0"/>
+                <a14:useLocalDpi xmlns:a14="http://schemas.microsoft.com/office/drawing/2010/main" xmlns="" val="0"/>
               </a:ext>
             </a:extLst>
           </a:blip>
@@ -4652,7 +4660,7 @@
           <a:blip r:embed="rId2" cstate="print">
             <a:extLst>
               <a:ext uri="{28A0092B-C50C-407E-A947-70E740481C1C}">
-                <a14:useLocalDpi xmlns:a14="http://schemas.microsoft.com/office/drawing/2010/main" val="0"/>
+                <a14:useLocalDpi xmlns:a14="http://schemas.microsoft.com/office/drawing/2010/main" xmlns="" val="0"/>
               </a:ext>
             </a:extLst>
           </a:blip>
@@ -4741,7 +4749,7 @@
           <a:blip r:embed="rId2" cstate="print">
             <a:extLst>
               <a:ext uri="{28A0092B-C50C-407E-A947-70E740481C1C}">
-                <a14:useLocalDpi xmlns:a14="http://schemas.microsoft.com/office/drawing/2010/main" val="0"/>
+                <a14:useLocalDpi xmlns:a14="http://schemas.microsoft.com/office/drawing/2010/main" xmlns="" val="0"/>
               </a:ext>
             </a:extLst>
           </a:blip>
@@ -5747,15 +5755,7 @@
                   <a:srgbClr val="00B050"/>
                 </a:solidFill>
               </a:rPr>
-              <a:t>React </a:t>
-            </a:r>
-            <a:r>
-              <a:rPr lang="en-US" dirty="0" smtClean="0">
-                <a:solidFill>
-                  <a:srgbClr val="00B050"/>
-                </a:solidFill>
-              </a:rPr>
-              <a:t>JS</a:t>
+              <a:t>React JS</a:t>
             </a:r>
           </a:p>
           <a:p>
@@ -6024,7 +6024,7 @@
           <a:blip r:embed="rId2" cstate="print">
             <a:extLst>
               <a:ext uri="{28A0092B-C50C-407E-A947-70E740481C1C}">
-                <a14:useLocalDpi xmlns:a14="http://schemas.microsoft.com/office/drawing/2010/main" val="0"/>
+                <a14:useLocalDpi xmlns:a14="http://schemas.microsoft.com/office/drawing/2010/main" xmlns="" val="0"/>
               </a:ext>
             </a:extLst>
           </a:blip>
@@ -6178,7 +6178,7 @@
           <a:blip r:embed="rId2" cstate="print">
             <a:extLst>
               <a:ext uri="{28A0092B-C50C-407E-A947-70E740481C1C}">
-                <a14:useLocalDpi xmlns:a14="http://schemas.microsoft.com/office/drawing/2010/main" val="0"/>
+                <a14:useLocalDpi xmlns:a14="http://schemas.microsoft.com/office/drawing/2010/main" xmlns="" val="0"/>
               </a:ext>
             </a:extLst>
           </a:blip>
